--- a/3. Microservices Advanced using Spring Boot/1. Understanding Microservices/Day 14/Slides/4. Design Patterns of Microservices/design-patterns-of-microservices-slides.pptx
+++ b/3. Microservices Advanced using Spring Boot/1. Understanding Microservices/Day 14/Slides/4. Design Patterns of Microservices/design-patterns-of-microservices-slides.pptx
@@ -5,22 +5,22 @@
     <p:sldMasterId id="2147483648" r:id="rId1"/>
   </p:sldMasterIdLst>
   <p:notesMasterIdLst>
-    <p:notesMasterId r:id="rId15"/>
+    <p:notesMasterId r:id="rId16"/>
   </p:notesMasterIdLst>
   <p:sldIdLst>
-    <p:sldId id="257" r:id="rId2"/>
-    <p:sldId id="256" r:id="rId3"/>
-    <p:sldId id="258" r:id="rId4"/>
-    <p:sldId id="259" r:id="rId5"/>
-    <p:sldId id="260" r:id="rId6"/>
-    <p:sldId id="261" r:id="rId7"/>
-    <p:sldId id="262" r:id="rId8"/>
-    <p:sldId id="263" r:id="rId9"/>
-    <p:sldId id="264" r:id="rId10"/>
-    <p:sldId id="265" r:id="rId11"/>
-    <p:sldId id="266" r:id="rId12"/>
-    <p:sldId id="267" r:id="rId13"/>
-    <p:sldId id="268" r:id="rId14"/>
+    <p:sldId id="257" r:id="rId3"/>
+    <p:sldId id="256" r:id="rId4"/>
+    <p:sldId id="258" r:id="rId5"/>
+    <p:sldId id="259" r:id="rId6"/>
+    <p:sldId id="260" r:id="rId7"/>
+    <p:sldId id="261" r:id="rId8"/>
+    <p:sldId id="262" r:id="rId9"/>
+    <p:sldId id="263" r:id="rId10"/>
+    <p:sldId id="264" r:id="rId11"/>
+    <p:sldId id="265" r:id="rId12"/>
+    <p:sldId id="266" r:id="rId13"/>
+    <p:sldId id="267" r:id="rId14"/>
+    <p:sldId id="268" r:id="rId15"/>
   </p:sldIdLst>
   <p:sldSz cx="12192000" cy="6858000"/>
   <p:notesSz cx="6858000" cy="9144000"/>
@@ -119,11 +119,6 @@
       </a:defRPr>
     </a:lvl9pPr>
   </p:defaultTextStyle>
-  <p:extLst>
-    <p:ext uri="{EFAFB233-063F-42B5-8137-9DF3F51BA10A}">
-      <p15:sldGuideLst xmlns:p15="http://schemas.microsoft.com/office/powerpoint/2012/main"/>
-    </p:ext>
-  </p:extLst>
 </p:presentation>
 </file>
 
@@ -209,7 +204,6 @@
           <a:p>
             <a:fld id="{3EFD42F7-718C-4B98-AAEC-167E6DDD60A7}" type="datetimeFigureOut">
               <a:rPr lang="en-US" smtClean="0"/>
-              <a:t>6/4/2023</a:t>
             </a:fld>
             <a:endParaRPr lang="en-US"/>
           </a:p>
@@ -276,6 +270,7 @@
               <a:rPr lang="en-US"/>
               <a:t>Click to edit Master text styles</a:t>
             </a:r>
+            <a:endParaRPr lang="en-US"/>
           </a:p>
           <a:p>
             <a:pPr lvl="1"/>
@@ -283,6 +278,7 @@
               <a:rPr lang="en-US"/>
               <a:t>Second level</a:t>
             </a:r>
+            <a:endParaRPr lang="en-US"/>
           </a:p>
           <a:p>
             <a:pPr lvl="2"/>
@@ -290,6 +286,7 @@
               <a:rPr lang="en-US"/>
               <a:t>Third level</a:t>
             </a:r>
+            <a:endParaRPr lang="en-US"/>
           </a:p>
           <a:p>
             <a:pPr lvl="3"/>
@@ -297,6 +294,7 @@
               <a:rPr lang="en-US"/>
               <a:t>Fourth level</a:t>
             </a:r>
+            <a:endParaRPr lang="en-US"/>
           </a:p>
           <a:p>
             <a:pPr lvl="4"/>
@@ -304,6 +302,7 @@
               <a:rPr lang="en-US"/>
               <a:t>Fifth level</a:t>
             </a:r>
+            <a:endParaRPr lang="en-US"/>
           </a:p>
         </p:txBody>
       </p:sp>
@@ -367,7 +366,6 @@
           <a:p>
             <a:fld id="{21B2AA4F-B828-4D7C-AFD3-893933DAFCB4}" type="slidenum">
               <a:rPr lang="en-US" smtClean="0"/>
-              <a:t>‹#›</a:t>
             </a:fld>
             <a:endParaRPr lang="en-US"/>
           </a:p>
@@ -516,6 +514,7 @@
               <a:rPr lang="en-US"/>
               <a:t>Click to edit Master title style</a:t>
             </a:r>
+            <a:endParaRPr lang="en-US"/>
           </a:p>
         </p:txBody>
       </p:sp>
@@ -580,6 +579,7 @@
               <a:rPr lang="en-US"/>
               <a:t>Click to edit Master subtitle style</a:t>
             </a:r>
+            <a:endParaRPr lang="en-US"/>
           </a:p>
         </p:txBody>
       </p:sp>
@@ -600,7 +600,6 @@
           <a:p>
             <a:fld id="{63A1C593-65D0-4073-BCC9-577B9352EA97}" type="datetimeFigureOut">
               <a:rPr lang="en-US" smtClean="0"/>
-              <a:t>6/4/2023</a:t>
             </a:fld>
             <a:endParaRPr lang="en-US"/>
           </a:p>
@@ -642,7 +641,6 @@
           <a:p>
             <a:fld id="{9B618960-8005-486C-9A75-10CB2AAC16F9}" type="slidenum">
               <a:rPr lang="en-US" smtClean="0"/>
-              <a:t>‹#›</a:t>
             </a:fld>
             <a:endParaRPr lang="en-US"/>
           </a:p>
@@ -693,6 +691,7 @@
               <a:rPr lang="en-US"/>
               <a:t>Click to edit Master title style</a:t>
             </a:r>
+            <a:endParaRPr lang="en-US"/>
           </a:p>
         </p:txBody>
       </p:sp>
@@ -716,6 +715,7 @@
               <a:rPr lang="en-US"/>
               <a:t>Click to edit Master text styles</a:t>
             </a:r>
+            <a:endParaRPr lang="en-US"/>
           </a:p>
           <a:p>
             <a:pPr lvl="1"/>
@@ -723,6 +723,7 @@
               <a:rPr lang="en-US"/>
               <a:t>Second level</a:t>
             </a:r>
+            <a:endParaRPr lang="en-US"/>
           </a:p>
           <a:p>
             <a:pPr lvl="2"/>
@@ -730,6 +731,7 @@
               <a:rPr lang="en-US"/>
               <a:t>Third level</a:t>
             </a:r>
+            <a:endParaRPr lang="en-US"/>
           </a:p>
           <a:p>
             <a:pPr lvl="3"/>
@@ -737,6 +739,7 @@
               <a:rPr lang="en-US"/>
               <a:t>Fourth level</a:t>
             </a:r>
+            <a:endParaRPr lang="en-US"/>
           </a:p>
           <a:p>
             <a:pPr lvl="4"/>
@@ -744,6 +747,7 @@
               <a:rPr lang="en-US"/>
               <a:t>Fifth level</a:t>
             </a:r>
+            <a:endParaRPr lang="en-US"/>
           </a:p>
         </p:txBody>
       </p:sp>
@@ -764,7 +768,6 @@
           <a:p>
             <a:fld id="{63A1C593-65D0-4073-BCC9-577B9352EA97}" type="datetimeFigureOut">
               <a:rPr lang="en-US" smtClean="0"/>
-              <a:t>6/4/2023</a:t>
             </a:fld>
             <a:endParaRPr lang="en-US"/>
           </a:p>
@@ -806,7 +809,6 @@
           <a:p>
             <a:fld id="{9B618960-8005-486C-9A75-10CB2AAC16F9}" type="slidenum">
               <a:rPr lang="en-US" smtClean="0"/>
-              <a:t>‹#›</a:t>
             </a:fld>
             <a:endParaRPr lang="en-US"/>
           </a:p>
@@ -862,6 +864,7 @@
               <a:rPr lang="en-US"/>
               <a:t>Click to edit Master title style</a:t>
             </a:r>
+            <a:endParaRPr lang="en-US"/>
           </a:p>
         </p:txBody>
       </p:sp>
@@ -890,6 +893,7 @@
               <a:rPr lang="en-US"/>
               <a:t>Click to edit Master text styles</a:t>
             </a:r>
+            <a:endParaRPr lang="en-US"/>
           </a:p>
           <a:p>
             <a:pPr lvl="1"/>
@@ -897,6 +901,7 @@
               <a:rPr lang="en-US"/>
               <a:t>Second level</a:t>
             </a:r>
+            <a:endParaRPr lang="en-US"/>
           </a:p>
           <a:p>
             <a:pPr lvl="2"/>
@@ -904,6 +909,7 @@
               <a:rPr lang="en-US"/>
               <a:t>Third level</a:t>
             </a:r>
+            <a:endParaRPr lang="en-US"/>
           </a:p>
           <a:p>
             <a:pPr lvl="3"/>
@@ -911,6 +917,7 @@
               <a:rPr lang="en-US"/>
               <a:t>Fourth level</a:t>
             </a:r>
+            <a:endParaRPr lang="en-US"/>
           </a:p>
           <a:p>
             <a:pPr lvl="4"/>
@@ -918,6 +925,7 @@
               <a:rPr lang="en-US"/>
               <a:t>Fifth level</a:t>
             </a:r>
+            <a:endParaRPr lang="en-US"/>
           </a:p>
         </p:txBody>
       </p:sp>
@@ -938,7 +946,6 @@
           <a:p>
             <a:fld id="{63A1C593-65D0-4073-BCC9-577B9352EA97}" type="datetimeFigureOut">
               <a:rPr lang="en-US" smtClean="0"/>
-              <a:t>6/4/2023</a:t>
             </a:fld>
             <a:endParaRPr lang="en-US"/>
           </a:p>
@@ -980,7 +987,6 @@
           <a:p>
             <a:fld id="{9B618960-8005-486C-9A75-10CB2AAC16F9}" type="slidenum">
               <a:rPr lang="en-US" smtClean="0"/>
-              <a:t>‹#›</a:t>
             </a:fld>
             <a:endParaRPr lang="en-US"/>
           </a:p>
@@ -1031,6 +1037,7 @@
               <a:rPr lang="en-US"/>
               <a:t>Click to edit Master title style</a:t>
             </a:r>
+            <a:endParaRPr lang="en-US"/>
           </a:p>
         </p:txBody>
       </p:sp>
@@ -1054,6 +1061,7 @@
               <a:rPr lang="en-US"/>
               <a:t>Click to edit Master text styles</a:t>
             </a:r>
+            <a:endParaRPr lang="en-US"/>
           </a:p>
           <a:p>
             <a:pPr lvl="1"/>
@@ -1061,6 +1069,7 @@
               <a:rPr lang="en-US"/>
               <a:t>Second level</a:t>
             </a:r>
+            <a:endParaRPr lang="en-US"/>
           </a:p>
           <a:p>
             <a:pPr lvl="2"/>
@@ -1068,6 +1077,7 @@
               <a:rPr lang="en-US"/>
               <a:t>Third level</a:t>
             </a:r>
+            <a:endParaRPr lang="en-US"/>
           </a:p>
           <a:p>
             <a:pPr lvl="3"/>
@@ -1075,6 +1085,7 @@
               <a:rPr lang="en-US"/>
               <a:t>Fourth level</a:t>
             </a:r>
+            <a:endParaRPr lang="en-US"/>
           </a:p>
           <a:p>
             <a:pPr lvl="4"/>
@@ -1082,6 +1093,7 @@
               <a:rPr lang="en-US"/>
               <a:t>Fifth level</a:t>
             </a:r>
+            <a:endParaRPr lang="en-US"/>
           </a:p>
         </p:txBody>
       </p:sp>
@@ -1102,7 +1114,6 @@
           <a:p>
             <a:fld id="{63A1C593-65D0-4073-BCC9-577B9352EA97}" type="datetimeFigureOut">
               <a:rPr lang="en-US" smtClean="0"/>
-              <a:t>6/4/2023</a:t>
             </a:fld>
             <a:endParaRPr lang="en-US"/>
           </a:p>
@@ -1144,7 +1155,6 @@
           <a:p>
             <a:fld id="{9B618960-8005-486C-9A75-10CB2AAC16F9}" type="slidenum">
               <a:rPr lang="en-US" smtClean="0"/>
-              <a:t>‹#›</a:t>
             </a:fld>
             <a:endParaRPr lang="en-US"/>
           </a:p>
@@ -1204,6 +1214,7 @@
               <a:rPr lang="en-US"/>
               <a:t>Click to edit Master title style</a:t>
             </a:r>
+            <a:endParaRPr lang="en-US"/>
           </a:p>
         </p:txBody>
       </p:sp>
@@ -1323,6 +1334,7 @@
               <a:rPr lang="en-US"/>
               <a:t>Click to edit Master text styles</a:t>
             </a:r>
+            <a:endParaRPr lang="en-US"/>
           </a:p>
         </p:txBody>
       </p:sp>
@@ -1343,7 +1355,6 @@
           <a:p>
             <a:fld id="{63A1C593-65D0-4073-BCC9-577B9352EA97}" type="datetimeFigureOut">
               <a:rPr lang="en-US" smtClean="0"/>
-              <a:t>6/4/2023</a:t>
             </a:fld>
             <a:endParaRPr lang="en-US"/>
           </a:p>
@@ -1385,7 +1396,6 @@
           <a:p>
             <a:fld id="{9B618960-8005-486C-9A75-10CB2AAC16F9}" type="slidenum">
               <a:rPr lang="en-US" smtClean="0"/>
-              <a:t>‹#›</a:t>
             </a:fld>
             <a:endParaRPr lang="en-US"/>
           </a:p>
@@ -1436,6 +1446,7 @@
               <a:rPr lang="en-US"/>
               <a:t>Click to edit Master title style</a:t>
             </a:r>
+            <a:endParaRPr lang="en-US"/>
           </a:p>
         </p:txBody>
       </p:sp>
@@ -1464,6 +1475,7 @@
               <a:rPr lang="en-US"/>
               <a:t>Click to edit Master text styles</a:t>
             </a:r>
+            <a:endParaRPr lang="en-US"/>
           </a:p>
           <a:p>
             <a:pPr lvl="1"/>
@@ -1471,6 +1483,7 @@
               <a:rPr lang="en-US"/>
               <a:t>Second level</a:t>
             </a:r>
+            <a:endParaRPr lang="en-US"/>
           </a:p>
           <a:p>
             <a:pPr lvl="2"/>
@@ -1478,6 +1491,7 @@
               <a:rPr lang="en-US"/>
               <a:t>Third level</a:t>
             </a:r>
+            <a:endParaRPr lang="en-US"/>
           </a:p>
           <a:p>
             <a:pPr lvl="3"/>
@@ -1485,6 +1499,7 @@
               <a:rPr lang="en-US"/>
               <a:t>Fourth level</a:t>
             </a:r>
+            <a:endParaRPr lang="en-US"/>
           </a:p>
           <a:p>
             <a:pPr lvl="4"/>
@@ -1492,6 +1507,7 @@
               <a:rPr lang="en-US"/>
               <a:t>Fifth level</a:t>
             </a:r>
+            <a:endParaRPr lang="en-US"/>
           </a:p>
         </p:txBody>
       </p:sp>
@@ -1520,6 +1536,7 @@
               <a:rPr lang="en-US"/>
               <a:t>Click to edit Master text styles</a:t>
             </a:r>
+            <a:endParaRPr lang="en-US"/>
           </a:p>
           <a:p>
             <a:pPr lvl="1"/>
@@ -1527,6 +1544,7 @@
               <a:rPr lang="en-US"/>
               <a:t>Second level</a:t>
             </a:r>
+            <a:endParaRPr lang="en-US"/>
           </a:p>
           <a:p>
             <a:pPr lvl="2"/>
@@ -1534,6 +1552,7 @@
               <a:rPr lang="en-US"/>
               <a:t>Third level</a:t>
             </a:r>
+            <a:endParaRPr lang="en-US"/>
           </a:p>
           <a:p>
             <a:pPr lvl="3"/>
@@ -1541,6 +1560,7 @@
               <a:rPr lang="en-US"/>
               <a:t>Fourth level</a:t>
             </a:r>
+            <a:endParaRPr lang="en-US"/>
           </a:p>
           <a:p>
             <a:pPr lvl="4"/>
@@ -1548,6 +1568,7 @@
               <a:rPr lang="en-US"/>
               <a:t>Fifth level</a:t>
             </a:r>
+            <a:endParaRPr lang="en-US"/>
           </a:p>
         </p:txBody>
       </p:sp>
@@ -1568,7 +1589,6 @@
           <a:p>
             <a:fld id="{63A1C593-65D0-4073-BCC9-577B9352EA97}" type="datetimeFigureOut">
               <a:rPr lang="en-US" smtClean="0"/>
-              <a:t>6/4/2023</a:t>
             </a:fld>
             <a:endParaRPr lang="en-US"/>
           </a:p>
@@ -1610,7 +1630,6 @@
           <a:p>
             <a:fld id="{9B618960-8005-486C-9A75-10CB2AAC16F9}" type="slidenum">
               <a:rPr lang="en-US" smtClean="0"/>
-              <a:t>‹#›</a:t>
             </a:fld>
             <a:endParaRPr lang="en-US"/>
           </a:p>
@@ -1666,6 +1685,7 @@
               <a:rPr lang="en-US"/>
               <a:t>Click to edit Master title style</a:t>
             </a:r>
+            <a:endParaRPr lang="en-US"/>
           </a:p>
         </p:txBody>
       </p:sp>
@@ -1731,6 +1751,7 @@
               <a:rPr lang="en-US"/>
               <a:t>Click to edit Master text styles</a:t>
             </a:r>
+            <a:endParaRPr lang="en-US"/>
           </a:p>
         </p:txBody>
       </p:sp>
@@ -1759,6 +1780,7 @@
               <a:rPr lang="en-US"/>
               <a:t>Click to edit Master text styles</a:t>
             </a:r>
+            <a:endParaRPr lang="en-US"/>
           </a:p>
           <a:p>
             <a:pPr lvl="1"/>
@@ -1766,6 +1788,7 @@
               <a:rPr lang="en-US"/>
               <a:t>Second level</a:t>
             </a:r>
+            <a:endParaRPr lang="en-US"/>
           </a:p>
           <a:p>
             <a:pPr lvl="2"/>
@@ -1773,6 +1796,7 @@
               <a:rPr lang="en-US"/>
               <a:t>Third level</a:t>
             </a:r>
+            <a:endParaRPr lang="en-US"/>
           </a:p>
           <a:p>
             <a:pPr lvl="3"/>
@@ -1780,6 +1804,7 @@
               <a:rPr lang="en-US"/>
               <a:t>Fourth level</a:t>
             </a:r>
+            <a:endParaRPr lang="en-US"/>
           </a:p>
           <a:p>
             <a:pPr lvl="4"/>
@@ -1787,6 +1812,7 @@
               <a:rPr lang="en-US"/>
               <a:t>Fifth level</a:t>
             </a:r>
+            <a:endParaRPr lang="en-US"/>
           </a:p>
         </p:txBody>
       </p:sp>
@@ -1852,6 +1878,7 @@
               <a:rPr lang="en-US"/>
               <a:t>Click to edit Master text styles</a:t>
             </a:r>
+            <a:endParaRPr lang="en-US"/>
           </a:p>
         </p:txBody>
       </p:sp>
@@ -1880,6 +1907,7 @@
               <a:rPr lang="en-US"/>
               <a:t>Click to edit Master text styles</a:t>
             </a:r>
+            <a:endParaRPr lang="en-US"/>
           </a:p>
           <a:p>
             <a:pPr lvl="1"/>
@@ -1887,6 +1915,7 @@
               <a:rPr lang="en-US"/>
               <a:t>Second level</a:t>
             </a:r>
+            <a:endParaRPr lang="en-US"/>
           </a:p>
           <a:p>
             <a:pPr lvl="2"/>
@@ -1894,6 +1923,7 @@
               <a:rPr lang="en-US"/>
               <a:t>Third level</a:t>
             </a:r>
+            <a:endParaRPr lang="en-US"/>
           </a:p>
           <a:p>
             <a:pPr lvl="3"/>
@@ -1901,6 +1931,7 @@
               <a:rPr lang="en-US"/>
               <a:t>Fourth level</a:t>
             </a:r>
+            <a:endParaRPr lang="en-US"/>
           </a:p>
           <a:p>
             <a:pPr lvl="4"/>
@@ -1908,6 +1939,7 @@
               <a:rPr lang="en-US"/>
               <a:t>Fifth level</a:t>
             </a:r>
+            <a:endParaRPr lang="en-US"/>
           </a:p>
         </p:txBody>
       </p:sp>
@@ -1928,7 +1960,6 @@
           <a:p>
             <a:fld id="{63A1C593-65D0-4073-BCC9-577B9352EA97}" type="datetimeFigureOut">
               <a:rPr lang="en-US" smtClean="0"/>
-              <a:t>6/4/2023</a:t>
             </a:fld>
             <a:endParaRPr lang="en-US"/>
           </a:p>
@@ -1970,7 +2001,6 @@
           <a:p>
             <a:fld id="{9B618960-8005-486C-9A75-10CB2AAC16F9}" type="slidenum">
               <a:rPr lang="en-US" smtClean="0"/>
-              <a:t>‹#›</a:t>
             </a:fld>
             <a:endParaRPr lang="en-US"/>
           </a:p>
@@ -2021,6 +2051,7 @@
               <a:rPr lang="en-US"/>
               <a:t>Click to edit Master title style</a:t>
             </a:r>
+            <a:endParaRPr lang="en-US"/>
           </a:p>
         </p:txBody>
       </p:sp>
@@ -2041,7 +2072,6 @@
           <a:p>
             <a:fld id="{63A1C593-65D0-4073-BCC9-577B9352EA97}" type="datetimeFigureOut">
               <a:rPr lang="en-US" smtClean="0"/>
-              <a:t>6/4/2023</a:t>
             </a:fld>
             <a:endParaRPr lang="en-US"/>
           </a:p>
@@ -2083,7 +2113,6 @@
           <a:p>
             <a:fld id="{9B618960-8005-486C-9A75-10CB2AAC16F9}" type="slidenum">
               <a:rPr lang="en-US" smtClean="0"/>
-              <a:t>‹#›</a:t>
             </a:fld>
             <a:endParaRPr lang="en-US"/>
           </a:p>
@@ -2132,7 +2161,6 @@
           <a:p>
             <a:fld id="{63A1C593-65D0-4073-BCC9-577B9352EA97}" type="datetimeFigureOut">
               <a:rPr lang="en-US" smtClean="0"/>
-              <a:t>6/4/2023</a:t>
             </a:fld>
             <a:endParaRPr lang="en-US"/>
           </a:p>
@@ -2174,7 +2202,6 @@
           <a:p>
             <a:fld id="{9B618960-8005-486C-9A75-10CB2AAC16F9}" type="slidenum">
               <a:rPr lang="en-US" smtClean="0"/>
-              <a:t>‹#›</a:t>
             </a:fld>
             <a:endParaRPr lang="en-US"/>
           </a:p>
@@ -2234,6 +2261,7 @@
               <a:rPr lang="en-US"/>
               <a:t>Click to edit Master title style</a:t>
             </a:r>
+            <a:endParaRPr lang="en-US"/>
           </a:p>
         </p:txBody>
       </p:sp>
@@ -2290,6 +2318,7 @@
               <a:rPr lang="en-US"/>
               <a:t>Click to edit Master text styles</a:t>
             </a:r>
+            <a:endParaRPr lang="en-US"/>
           </a:p>
           <a:p>
             <a:pPr lvl="1"/>
@@ -2297,6 +2326,7 @@
               <a:rPr lang="en-US"/>
               <a:t>Second level</a:t>
             </a:r>
+            <a:endParaRPr lang="en-US"/>
           </a:p>
           <a:p>
             <a:pPr lvl="2"/>
@@ -2304,6 +2334,7 @@
               <a:rPr lang="en-US"/>
               <a:t>Third level</a:t>
             </a:r>
+            <a:endParaRPr lang="en-US"/>
           </a:p>
           <a:p>
             <a:pPr lvl="3"/>
@@ -2311,6 +2342,7 @@
               <a:rPr lang="en-US"/>
               <a:t>Fourth level</a:t>
             </a:r>
+            <a:endParaRPr lang="en-US"/>
           </a:p>
           <a:p>
             <a:pPr lvl="4"/>
@@ -2318,6 +2350,7 @@
               <a:rPr lang="en-US"/>
               <a:t>Fifth level</a:t>
             </a:r>
+            <a:endParaRPr lang="en-US"/>
           </a:p>
         </p:txBody>
       </p:sp>
@@ -2383,6 +2416,7 @@
               <a:rPr lang="en-US"/>
               <a:t>Click to edit Master text styles</a:t>
             </a:r>
+            <a:endParaRPr lang="en-US"/>
           </a:p>
         </p:txBody>
       </p:sp>
@@ -2403,7 +2437,6 @@
           <a:p>
             <a:fld id="{63A1C593-65D0-4073-BCC9-577B9352EA97}" type="datetimeFigureOut">
               <a:rPr lang="en-US" smtClean="0"/>
-              <a:t>6/4/2023</a:t>
             </a:fld>
             <a:endParaRPr lang="en-US"/>
           </a:p>
@@ -2445,7 +2478,6 @@
           <a:p>
             <a:fld id="{9B618960-8005-486C-9A75-10CB2AAC16F9}" type="slidenum">
               <a:rPr lang="en-US" smtClean="0"/>
-              <a:t>‹#›</a:t>
             </a:fld>
             <a:endParaRPr lang="en-US"/>
           </a:p>
@@ -2505,6 +2537,7 @@
               <a:rPr lang="en-US"/>
               <a:t>Click to edit Master title style</a:t>
             </a:r>
+            <a:endParaRPr lang="en-US"/>
           </a:p>
         </p:txBody>
       </p:sp>
@@ -2631,6 +2664,7 @@
               <a:rPr lang="en-US"/>
               <a:t>Click to edit Master text styles</a:t>
             </a:r>
+            <a:endParaRPr lang="en-US"/>
           </a:p>
         </p:txBody>
       </p:sp>
@@ -2651,7 +2685,6 @@
           <a:p>
             <a:fld id="{63A1C593-65D0-4073-BCC9-577B9352EA97}" type="datetimeFigureOut">
               <a:rPr lang="en-US" smtClean="0"/>
-              <a:t>6/4/2023</a:t>
             </a:fld>
             <a:endParaRPr lang="en-US"/>
           </a:p>
@@ -2693,7 +2726,6 @@
           <a:p>
             <a:fld id="{9B618960-8005-486C-9A75-10CB2AAC16F9}" type="slidenum">
               <a:rPr lang="en-US" smtClean="0"/>
-              <a:t>‹#›</a:t>
             </a:fld>
             <a:endParaRPr lang="en-US"/>
           </a:p>
@@ -2759,6 +2791,7 @@
               <a:rPr lang="en-US"/>
               <a:t>Click to edit Master title style</a:t>
             </a:r>
+            <a:endParaRPr lang="en-US"/>
           </a:p>
         </p:txBody>
       </p:sp>
@@ -2792,6 +2825,7 @@
               <a:rPr lang="en-US"/>
               <a:t>Click to edit Master text styles</a:t>
             </a:r>
+            <a:endParaRPr lang="en-US"/>
           </a:p>
           <a:p>
             <a:pPr lvl="1"/>
@@ -2799,6 +2833,7 @@
               <a:rPr lang="en-US"/>
               <a:t>Second level</a:t>
             </a:r>
+            <a:endParaRPr lang="en-US"/>
           </a:p>
           <a:p>
             <a:pPr lvl="2"/>
@@ -2806,6 +2841,7 @@
               <a:rPr lang="en-US"/>
               <a:t>Third level</a:t>
             </a:r>
+            <a:endParaRPr lang="en-US"/>
           </a:p>
           <a:p>
             <a:pPr lvl="3"/>
@@ -2813,6 +2849,7 @@
               <a:rPr lang="en-US"/>
               <a:t>Fourth level</a:t>
             </a:r>
+            <a:endParaRPr lang="en-US"/>
           </a:p>
           <a:p>
             <a:pPr lvl="4"/>
@@ -2820,6 +2857,7 @@
               <a:rPr lang="en-US"/>
               <a:t>Fifth level</a:t>
             </a:r>
+            <a:endParaRPr lang="en-US"/>
           </a:p>
         </p:txBody>
       </p:sp>
@@ -2858,7 +2896,6 @@
           <a:p>
             <a:fld id="{63A1C593-65D0-4073-BCC9-577B9352EA97}" type="datetimeFigureOut">
               <a:rPr lang="en-US" smtClean="0"/>
-              <a:t>6/4/2023</a:t>
             </a:fld>
             <a:endParaRPr lang="en-US"/>
           </a:p>
@@ -2936,7 +2973,6 @@
           <a:p>
             <a:fld id="{9B618960-8005-486C-9A75-10CB2AAC16F9}" type="slidenum">
               <a:rPr lang="en-US" smtClean="0"/>
-              <a:t>‹#›</a:t>
             </a:fld>
             <a:endParaRPr lang="en-US"/>
           </a:p>
@@ -3266,7 +3302,7 @@
           <p:nvPr/>
         </p:nvPicPr>
         <p:blipFill>
-          <a:blip r:embed="rId2" cstate="print"/>
+          <a:blip r:embed="rId1" cstate="print"/>
           <a:stretch>
             <a:fillRect/>
           </a:stretch>
@@ -3343,7 +3379,6 @@
           <a:p>
             <a:fld id="{B6F15528-21DE-4FAA-801E-634DDDAF4B2B}" type="slidenum">
               <a:rPr/>
-              <a:t>1</a:t>
             </a:fld>
             <a:endParaRPr/>
           </a:p>
@@ -3376,13 +3411,7 @@
       </p:grpSpPr>
       <p:sp>
         <p:nvSpPr>
-          <p:cNvPr id="2" name="Title 1">
-            <a:extLst>
-              <a:ext uri="{FF2B5EF4-FFF2-40B4-BE49-F238E27FC236}">
-                <a16:creationId xmlns:a16="http://schemas.microsoft.com/office/drawing/2014/main" id="{F11E2E8F-681F-7BA1-7DAC-688603D83DE7}"/>
-              </a:ext>
-            </a:extLst>
-          </p:cNvPr>
+          <p:cNvPr id="2" name="Title 1"/>
           <p:cNvSpPr>
             <a:spLocks noGrp="1"/>
           </p:cNvSpPr>
@@ -3400,18 +3429,13 @@
               <a:rPr lang="en-US" dirty="0"/>
               <a:t>Branch</a:t>
             </a:r>
-          </a:p>
-        </p:txBody>
-      </p:sp>
-      <p:sp>
-        <p:nvSpPr>
-          <p:cNvPr id="4" name="Slide Number Placeholder 3">
-            <a:extLst>
-              <a:ext uri="{FF2B5EF4-FFF2-40B4-BE49-F238E27FC236}">
-                <a16:creationId xmlns:a16="http://schemas.microsoft.com/office/drawing/2014/main" id="{BDA5A14C-4111-0137-4B6C-2550682BFF3F}"/>
-              </a:ext>
-            </a:extLst>
-          </p:cNvPr>
+            <a:endParaRPr lang="en-US" dirty="0"/>
+          </a:p>
+        </p:txBody>
+      </p:sp>
+      <p:sp>
+        <p:nvSpPr>
+          <p:cNvPr id="4" name="Slide Number Placeholder 3"/>
           <p:cNvSpPr>
             <a:spLocks noGrp="1"/>
           </p:cNvSpPr>
@@ -3426,7 +3450,6 @@
           <a:p>
             <a:fld id="{9B618960-8005-486C-9A75-10CB2AAC16F9}" type="slidenum">
               <a:rPr lang="en-US" smtClean="0"/>
-              <a:t>10</a:t>
             </a:fld>
             <a:endParaRPr lang="en-US"/>
           </a:p>
@@ -3434,20 +3457,14 @@
       </p:sp>
       <p:pic>
         <p:nvPicPr>
-          <p:cNvPr id="1026" name="Picture 2" descr="Branch Microservices Design Pattern">
-            <a:extLst>
-              <a:ext uri="{FF2B5EF4-FFF2-40B4-BE49-F238E27FC236}">
-                <a16:creationId xmlns:a16="http://schemas.microsoft.com/office/drawing/2014/main" id="{B80F2AAF-27E6-F166-6A86-4AF0D2D70415}"/>
-              </a:ext>
-            </a:extLst>
-          </p:cNvPr>
+          <p:cNvPr id="1026" name="Picture 2" descr="Branch Microservices Design Pattern"/>
           <p:cNvPicPr>
             <a:picLocks noChangeAspect="1" noChangeArrowheads="1"/>
           </p:cNvPicPr>
           <p:nvPr/>
         </p:nvPicPr>
         <p:blipFill>
-          <a:blip r:embed="rId2">
+          <a:blip r:embed="rId1">
             <a:extLst>
               <a:ext uri="{28A0092B-C50C-407E-A947-70E740481C1C}">
                 <a14:useLocalDpi xmlns:a14="http://schemas.microsoft.com/office/drawing/2010/main" val="0"/>
@@ -3480,11 +3497,6 @@
         </p:spPr>
       </p:pic>
     </p:spTree>
-    <p:extLst>
-      <p:ext uri="{BB962C8B-B14F-4D97-AF65-F5344CB8AC3E}">
-        <p14:creationId xmlns:p14="http://schemas.microsoft.com/office/powerpoint/2010/main" val="607982360"/>
-      </p:ext>
-    </p:extLst>
   </p:cSld>
   <p:clrMapOvr>
     <a:masterClrMapping/>
@@ -3511,13 +3523,7 @@
       </p:grpSpPr>
       <p:sp>
         <p:nvSpPr>
-          <p:cNvPr id="2" name="Title 1">
-            <a:extLst>
-              <a:ext uri="{FF2B5EF4-FFF2-40B4-BE49-F238E27FC236}">
-                <a16:creationId xmlns:a16="http://schemas.microsoft.com/office/drawing/2014/main" id="{EA602C08-35F5-3FB1-C663-5B5F6FD64A50}"/>
-              </a:ext>
-            </a:extLst>
-          </p:cNvPr>
+          <p:cNvPr id="2" name="Title 1"/>
           <p:cNvSpPr>
             <a:spLocks noGrp="1"/>
           </p:cNvSpPr>
@@ -3535,18 +3541,13 @@
               <a:rPr lang="en-US" dirty="0"/>
               <a:t>Command Query Responsibility Segregator</a:t>
             </a:r>
-          </a:p>
-        </p:txBody>
-      </p:sp>
-      <p:sp>
-        <p:nvSpPr>
-          <p:cNvPr id="4" name="Slide Number Placeholder 3">
-            <a:extLst>
-              <a:ext uri="{FF2B5EF4-FFF2-40B4-BE49-F238E27FC236}">
-                <a16:creationId xmlns:a16="http://schemas.microsoft.com/office/drawing/2014/main" id="{AD266316-4974-9FFD-1901-9E2F7E748C8F}"/>
-              </a:ext>
-            </a:extLst>
-          </p:cNvPr>
+            <a:endParaRPr lang="en-US" dirty="0"/>
+          </a:p>
+        </p:txBody>
+      </p:sp>
+      <p:sp>
+        <p:nvSpPr>
+          <p:cNvPr id="4" name="Slide Number Placeholder 3"/>
           <p:cNvSpPr>
             <a:spLocks noGrp="1"/>
           </p:cNvSpPr>
@@ -3561,7 +3562,6 @@
           <a:p>
             <a:fld id="{9B618960-8005-486C-9A75-10CB2AAC16F9}" type="slidenum">
               <a:rPr lang="en-US" smtClean="0"/>
-              <a:t>11</a:t>
             </a:fld>
             <a:endParaRPr lang="en-US"/>
           </a:p>
@@ -3569,20 +3569,14 @@
       </p:sp>
       <p:pic>
         <p:nvPicPr>
-          <p:cNvPr id="6" name="Picture 5">
-            <a:extLst>
-              <a:ext uri="{FF2B5EF4-FFF2-40B4-BE49-F238E27FC236}">
-                <a16:creationId xmlns:a16="http://schemas.microsoft.com/office/drawing/2014/main" id="{8A2A5E56-3FCE-3B4A-7E62-0051B423C8EF}"/>
-              </a:ext>
-            </a:extLst>
-          </p:cNvPr>
+          <p:cNvPr id="6" name="Picture 5"/>
           <p:cNvPicPr>
             <a:picLocks noChangeAspect="1"/>
           </p:cNvPicPr>
           <p:nvPr/>
         </p:nvPicPr>
         <p:blipFill>
-          <a:blip r:embed="rId2"/>
+          <a:blip r:embed="rId1"/>
           <a:stretch>
             <a:fillRect/>
           </a:stretch>
@@ -3598,11 +3592,6 @@
         </p:spPr>
       </p:pic>
     </p:spTree>
-    <p:extLst>
-      <p:ext uri="{BB962C8B-B14F-4D97-AF65-F5344CB8AC3E}">
-        <p14:creationId xmlns:p14="http://schemas.microsoft.com/office/powerpoint/2010/main" val="3341650961"/>
-      </p:ext>
-    </p:extLst>
   </p:cSld>
   <p:clrMapOvr>
     <a:masterClrMapping/>
@@ -3629,13 +3618,7 @@
       </p:grpSpPr>
       <p:sp>
         <p:nvSpPr>
-          <p:cNvPr id="2" name="Title 1">
-            <a:extLst>
-              <a:ext uri="{FF2B5EF4-FFF2-40B4-BE49-F238E27FC236}">
-                <a16:creationId xmlns:a16="http://schemas.microsoft.com/office/drawing/2014/main" id="{1112BA9F-79C9-3C37-2F76-415E125908FE}"/>
-              </a:ext>
-            </a:extLst>
-          </p:cNvPr>
+          <p:cNvPr id="2" name="Title 1"/>
           <p:cNvSpPr>
             <a:spLocks noGrp="1"/>
           </p:cNvSpPr>
@@ -3669,18 +3652,13 @@
               <a:rPr lang="en-US" dirty="0"/>
               <a:t>Breaker</a:t>
             </a:r>
-          </a:p>
-        </p:txBody>
-      </p:sp>
-      <p:sp>
-        <p:nvSpPr>
-          <p:cNvPr id="4" name="Slide Number Placeholder 3">
-            <a:extLst>
-              <a:ext uri="{FF2B5EF4-FFF2-40B4-BE49-F238E27FC236}">
-                <a16:creationId xmlns:a16="http://schemas.microsoft.com/office/drawing/2014/main" id="{649DC5E7-EAD9-24A2-0301-DD230EB24DF5}"/>
-              </a:ext>
-            </a:extLst>
-          </p:cNvPr>
+            <a:endParaRPr lang="en-US" dirty="0"/>
+          </a:p>
+        </p:txBody>
+      </p:sp>
+      <p:sp>
+        <p:nvSpPr>
+          <p:cNvPr id="4" name="Slide Number Placeholder 3"/>
           <p:cNvSpPr>
             <a:spLocks noGrp="1"/>
           </p:cNvSpPr>
@@ -3695,7 +3673,6 @@
           <a:p>
             <a:fld id="{9B618960-8005-486C-9A75-10CB2AAC16F9}" type="slidenum">
               <a:rPr lang="en-US" smtClean="0"/>
-              <a:t>12</a:t>
             </a:fld>
             <a:endParaRPr lang="en-US"/>
           </a:p>
@@ -3703,20 +3680,14 @@
       </p:sp>
       <p:pic>
         <p:nvPicPr>
-          <p:cNvPr id="2052" name="Picture 4" descr="Hystrix Circuit Breaker">
-            <a:extLst>
-              <a:ext uri="{FF2B5EF4-FFF2-40B4-BE49-F238E27FC236}">
-                <a16:creationId xmlns:a16="http://schemas.microsoft.com/office/drawing/2014/main" id="{7DD5E53D-7F40-85F9-1B27-DFB1F04AFE39}"/>
-              </a:ext>
-            </a:extLst>
-          </p:cNvPr>
+          <p:cNvPr id="2052" name="Picture 4" descr="Hystrix Circuit Breaker"/>
           <p:cNvPicPr>
             <a:picLocks noChangeAspect="1" noChangeArrowheads="1"/>
           </p:cNvPicPr>
           <p:nvPr/>
         </p:nvPicPr>
         <p:blipFill>
-          <a:blip r:embed="rId2">
+          <a:blip r:embed="rId1">
             <a:extLst>
               <a:ext uri="{28A0092B-C50C-407E-A947-70E740481C1C}">
                 <a14:useLocalDpi xmlns:a14="http://schemas.microsoft.com/office/drawing/2010/main" val="0"/>
@@ -3749,11 +3720,6 @@
         </p:spPr>
       </p:pic>
     </p:spTree>
-    <p:extLst>
-      <p:ext uri="{BB962C8B-B14F-4D97-AF65-F5344CB8AC3E}">
-        <p14:creationId xmlns:p14="http://schemas.microsoft.com/office/powerpoint/2010/main" val="3921548694"/>
-      </p:ext>
-    </p:extLst>
   </p:cSld>
   <p:clrMapOvr>
     <a:masterClrMapping/>
@@ -3780,13 +3746,7 @@
       </p:grpSpPr>
       <p:sp>
         <p:nvSpPr>
-          <p:cNvPr id="2" name="Title 1">
-            <a:extLst>
-              <a:ext uri="{FF2B5EF4-FFF2-40B4-BE49-F238E27FC236}">
-                <a16:creationId xmlns:a16="http://schemas.microsoft.com/office/drawing/2014/main" id="{F474B863-2E71-E13F-4B0D-2FACE103573E}"/>
-              </a:ext>
-            </a:extLst>
-          </p:cNvPr>
+          <p:cNvPr id="2" name="Title 1"/>
           <p:cNvSpPr>
             <a:spLocks noGrp="1"/>
           </p:cNvSpPr>
@@ -3804,18 +3764,13 @@
               <a:rPr lang="en-US" dirty="0"/>
               <a:t>Decomposition</a:t>
             </a:r>
-          </a:p>
-        </p:txBody>
-      </p:sp>
-      <p:sp>
-        <p:nvSpPr>
-          <p:cNvPr id="4" name="Slide Number Placeholder 3">
-            <a:extLst>
-              <a:ext uri="{FF2B5EF4-FFF2-40B4-BE49-F238E27FC236}">
-                <a16:creationId xmlns:a16="http://schemas.microsoft.com/office/drawing/2014/main" id="{48DCB3D9-7235-CFD8-03A2-3DA1E9B059BA}"/>
-              </a:ext>
-            </a:extLst>
-          </p:cNvPr>
+            <a:endParaRPr lang="en-US" dirty="0"/>
+          </a:p>
+        </p:txBody>
+      </p:sp>
+      <p:sp>
+        <p:nvSpPr>
+          <p:cNvPr id="4" name="Slide Number Placeholder 3"/>
           <p:cNvSpPr>
             <a:spLocks noGrp="1"/>
           </p:cNvSpPr>
@@ -3830,7 +3785,6 @@
           <a:p>
             <a:fld id="{9B618960-8005-486C-9A75-10CB2AAC16F9}" type="slidenum">
               <a:rPr lang="en-US" smtClean="0"/>
-              <a:t>13</a:t>
             </a:fld>
             <a:endParaRPr lang="en-US"/>
           </a:p>
@@ -3838,20 +3792,14 @@
       </p:sp>
       <p:pic>
         <p:nvPicPr>
-          <p:cNvPr id="6" name="Picture 5">
-            <a:extLst>
-              <a:ext uri="{FF2B5EF4-FFF2-40B4-BE49-F238E27FC236}">
-                <a16:creationId xmlns:a16="http://schemas.microsoft.com/office/drawing/2014/main" id="{8A369A21-A13B-85A2-865E-73B1C7F62155}"/>
-              </a:ext>
-            </a:extLst>
-          </p:cNvPr>
+          <p:cNvPr id="6" name="Picture 5"/>
           <p:cNvPicPr>
             <a:picLocks noChangeAspect="1"/>
           </p:cNvPicPr>
           <p:nvPr/>
         </p:nvPicPr>
         <p:blipFill>
-          <a:blip r:embed="rId2"/>
+          <a:blip r:embed="rId1"/>
           <a:stretch>
             <a:fillRect/>
           </a:stretch>
@@ -3867,11 +3815,6 @@
         </p:spPr>
       </p:pic>
     </p:spTree>
-    <p:extLst>
-      <p:ext uri="{BB962C8B-B14F-4D97-AF65-F5344CB8AC3E}">
-        <p14:creationId xmlns:p14="http://schemas.microsoft.com/office/powerpoint/2010/main" val="611560795"/>
-      </p:ext>
-    </p:extLst>
   </p:cSld>
   <p:clrMapOvr>
     <a:masterClrMapping/>
@@ -3926,6 +3869,11 @@
               </a:rPr>
               <a:t>How Do Microservices Architectures Work?</a:t>
             </a:r>
+            <a:endParaRPr lang="en-US" sz="4500" spc="-75" dirty="0">
+              <a:solidFill>
+                <a:srgbClr val="171717"/>
+              </a:solidFill>
+            </a:endParaRPr>
           </a:p>
         </p:txBody>
       </p:sp>
@@ -3946,7 +3894,6 @@
           <a:p>
             <a:fld id="{9B618960-8005-486C-9A75-10CB2AAC16F9}" type="slidenum">
               <a:rPr lang="en-US" smtClean="0"/>
-              <a:t>2</a:t>
             </a:fld>
             <a:endParaRPr lang="en-US"/>
           </a:p>
@@ -3954,20 +3901,14 @@
       </p:sp>
       <p:pic>
         <p:nvPicPr>
-          <p:cNvPr id="1026" name="Picture 2" descr="Microservices Architecture Diagram">
-            <a:extLst>
-              <a:ext uri="{FF2B5EF4-FFF2-40B4-BE49-F238E27FC236}">
-                <a16:creationId xmlns:a16="http://schemas.microsoft.com/office/drawing/2014/main" id="{47498644-871D-0EA2-F706-E89FAFE40E3A}"/>
-              </a:ext>
-            </a:extLst>
-          </p:cNvPr>
+          <p:cNvPr id="1026" name="Picture 2" descr="Microservices Architecture Diagram"/>
           <p:cNvPicPr>
             <a:picLocks noChangeAspect="1" noChangeArrowheads="1"/>
           </p:cNvPicPr>
           <p:nvPr/>
         </p:nvPicPr>
         <p:blipFill>
-          <a:blip r:embed="rId2">
+          <a:blip r:embed="rId1">
             <a:extLst>
               <a:ext uri="{28A0092B-C50C-407E-A947-70E740481C1C}">
                 <a14:useLocalDpi xmlns:a14="http://schemas.microsoft.com/office/drawing/2010/main" val="0"/>
@@ -4001,13 +3942,7 @@
       </p:pic>
       <p:sp>
         <p:nvSpPr>
-          <p:cNvPr id="7" name="TextBox 6">
-            <a:extLst>
-              <a:ext uri="{FF2B5EF4-FFF2-40B4-BE49-F238E27FC236}">
-                <a16:creationId xmlns:a16="http://schemas.microsoft.com/office/drawing/2014/main" id="{C2044870-AE45-433F-4C0E-4B7DB4E44B9C}"/>
-              </a:ext>
-            </a:extLst>
-          </p:cNvPr>
+          <p:cNvPr id="7" name="TextBox 6"/>
           <p:cNvSpPr txBox="1"/>
           <p:nvPr/>
         </p:nvSpPr>
@@ -4038,6 +3973,13 @@
               </a:rPr>
               <a:t>Microservices Architecture Diagram: </a:t>
             </a:r>
+            <a:endParaRPr lang="en-US" b="0" i="0" dirty="0">
+              <a:solidFill>
+                <a:srgbClr val="000000"/>
+              </a:solidFill>
+              <a:effectLst/>
+              <a:latin typeface="Open Sans" panose="020B0606030504020204" pitchFamily="34" charset="0"/>
+            </a:endParaRPr>
           </a:p>
           <a:p>
             <a:pPr algn="ctr"/>
@@ -4102,6 +4044,7 @@
               <a:rPr lang="en-US" sz="4100" dirty="0"/>
               <a:t>Principles Used to Design Microservice Architecture</a:t>
             </a:r>
+            <a:endParaRPr lang="en-US" sz="4100" dirty="0"/>
           </a:p>
         </p:txBody>
       </p:sp>
@@ -4122,7 +4065,6 @@
           <a:p>
             <a:fld id="{9B618960-8005-486C-9A75-10CB2AAC16F9}" type="slidenum">
               <a:rPr lang="en-US" smtClean="0"/>
-              <a:t>3</a:t>
             </a:fld>
             <a:endParaRPr lang="en-US"/>
           </a:p>
@@ -4130,20 +4072,14 @@
       </p:sp>
       <p:sp>
         <p:nvSpPr>
-          <p:cNvPr id="7" name="object 3">
-            <a:extLst>
-              <a:ext uri="{FF2B5EF4-FFF2-40B4-BE49-F238E27FC236}">
-                <a16:creationId xmlns:a16="http://schemas.microsoft.com/office/drawing/2014/main" id="{D72FEE1F-BE16-35D9-3926-117567665482}"/>
-              </a:ext>
-            </a:extLst>
-          </p:cNvPr>
+          <p:cNvPr id="7" name="object 3"/>
           <p:cNvSpPr txBox="1"/>
           <p:nvPr/>
         </p:nvSpPr>
         <p:spPr>
           <a:xfrm>
             <a:off x="2663202" y="1620078"/>
-            <a:ext cx="7766259" cy="5101397"/>
+            <a:ext cx="7766259" cy="5135245"/>
           </a:xfrm>
           <a:prstGeom prst="rect">
             <a:avLst/>
@@ -4179,6 +4115,12 @@
               </a:rPr>
               <a:t>Independent &amp; Autonomous Services</a:t>
             </a:r>
+            <a:endParaRPr lang="en-US" sz="2400" spc="-10" dirty="0">
+              <a:solidFill>
+                <a:srgbClr val="F05A28"/>
+              </a:solidFill>
+              <a:latin typeface="Verdana" panose="020B0604030504040204"/>
+            </a:endParaRPr>
           </a:p>
           <a:p>
             <a:pPr marL="536575" indent="-289560">
@@ -4205,6 +4147,12 @@
               </a:rPr>
               <a:t>Scalability</a:t>
             </a:r>
+            <a:endParaRPr lang="en-US" sz="2400" spc="-10" dirty="0">
+              <a:solidFill>
+                <a:srgbClr val="F05A28"/>
+              </a:solidFill>
+              <a:latin typeface="Verdana" panose="020B0604030504040204"/>
+            </a:endParaRPr>
           </a:p>
           <a:p>
             <a:pPr marL="536575" indent="-289560">
@@ -4231,6 +4179,12 @@
               </a:rPr>
               <a:t>Decentralization</a:t>
             </a:r>
+            <a:endParaRPr lang="en-US" sz="2400" spc="-10" dirty="0">
+              <a:solidFill>
+                <a:srgbClr val="F05A28"/>
+              </a:solidFill>
+              <a:latin typeface="Verdana" panose="020B0604030504040204"/>
+            </a:endParaRPr>
           </a:p>
           <a:p>
             <a:pPr marL="536575" indent="-289560">
@@ -4257,6 +4211,12 @@
               </a:rPr>
               <a:t>Resilient Services</a:t>
             </a:r>
+            <a:endParaRPr lang="en-US" sz="2400" spc="-10" dirty="0">
+              <a:solidFill>
+                <a:srgbClr val="F05A28"/>
+              </a:solidFill>
+              <a:latin typeface="Verdana" panose="020B0604030504040204"/>
+            </a:endParaRPr>
           </a:p>
           <a:p>
             <a:pPr marL="536575" indent="-289560">
@@ -4283,6 +4243,12 @@
               </a:rPr>
               <a:t>Real-Time Load Balancing</a:t>
             </a:r>
+            <a:endParaRPr lang="en-US" sz="2400" spc="-10" dirty="0">
+              <a:solidFill>
+                <a:srgbClr val="F05A28"/>
+              </a:solidFill>
+              <a:latin typeface="Verdana" panose="020B0604030504040204"/>
+            </a:endParaRPr>
           </a:p>
           <a:p>
             <a:pPr marL="536575" indent="-289560">
@@ -4309,6 +4275,12 @@
               </a:rPr>
               <a:t>Availability</a:t>
             </a:r>
+            <a:endParaRPr lang="en-US" sz="2400" spc="-10" dirty="0">
+              <a:solidFill>
+                <a:srgbClr val="F05A28"/>
+              </a:solidFill>
+              <a:latin typeface="Verdana" panose="020B0604030504040204"/>
+            </a:endParaRPr>
           </a:p>
           <a:p>
             <a:pPr marL="536575" indent="-289560">
@@ -4335,6 +4307,12 @@
               </a:rPr>
               <a:t>Continuous delivery through DevOps Integration</a:t>
             </a:r>
+            <a:endParaRPr lang="en-US" sz="2400" spc="-10" dirty="0">
+              <a:solidFill>
+                <a:srgbClr val="F05A28"/>
+              </a:solidFill>
+              <a:latin typeface="Verdana" panose="020B0604030504040204"/>
+            </a:endParaRPr>
           </a:p>
           <a:p>
             <a:pPr marL="536575" indent="-289560">
@@ -4361,6 +4339,12 @@
               </a:rPr>
               <a:t>Seamless API Integration and Continuous Monitoring</a:t>
             </a:r>
+            <a:endParaRPr lang="en-US" sz="2400" spc="-10" dirty="0">
+              <a:solidFill>
+                <a:srgbClr val="F05A28"/>
+              </a:solidFill>
+              <a:latin typeface="Verdana" panose="020B0604030504040204"/>
+            </a:endParaRPr>
           </a:p>
           <a:p>
             <a:pPr marL="536575" indent="-289560">
@@ -4387,6 +4371,12 @@
               </a:rPr>
               <a:t>Isolation from Failures</a:t>
             </a:r>
+            <a:endParaRPr lang="en-US" sz="2400" spc="-10" dirty="0">
+              <a:solidFill>
+                <a:srgbClr val="F05A28"/>
+              </a:solidFill>
+              <a:latin typeface="Verdana" panose="020B0604030504040204"/>
+            </a:endParaRPr>
           </a:p>
           <a:p>
             <a:pPr marL="536575" indent="-289560">
@@ -4411,7 +4401,7 @@
                 </a:solidFill>
                 <a:latin typeface="Verdana" panose="020B0604030504040204"/>
               </a:rPr>
-              <a:t>Auto -Provisioning</a:t>
+              <a:t>Auto-Provisioning</a:t>
             </a:r>
             <a:endParaRPr sz="2400" spc="-10" dirty="0">
               <a:solidFill>
@@ -4467,6 +4457,7 @@
               <a:rPr lang="en-US" dirty="0"/>
               <a:t>Aggregator</a:t>
             </a:r>
+            <a:endParaRPr lang="en-US" dirty="0"/>
           </a:p>
         </p:txBody>
       </p:sp>
@@ -4487,7 +4478,6 @@
           <a:p>
             <a:fld id="{9B618960-8005-486C-9A75-10CB2AAC16F9}" type="slidenum">
               <a:rPr lang="en-US" smtClean="0"/>
-              <a:t>4</a:t>
             </a:fld>
             <a:endParaRPr lang="en-US"/>
           </a:p>
@@ -4495,20 +4485,14 @@
       </p:sp>
       <p:pic>
         <p:nvPicPr>
-          <p:cNvPr id="8" name="Picture 7">
-            <a:extLst>
-              <a:ext uri="{FF2B5EF4-FFF2-40B4-BE49-F238E27FC236}">
-                <a16:creationId xmlns:a16="http://schemas.microsoft.com/office/drawing/2014/main" id="{80878837-594D-8DA6-EED5-A566D1B9EC14}"/>
-              </a:ext>
-            </a:extLst>
-          </p:cNvPr>
+          <p:cNvPr id="8" name="Picture 7"/>
           <p:cNvPicPr>
             <a:picLocks noChangeAspect="1"/>
           </p:cNvPicPr>
           <p:nvPr/>
         </p:nvPicPr>
         <p:blipFill>
-          <a:blip r:embed="rId2"/>
+          <a:blip r:embed="rId1"/>
           <a:stretch>
             <a:fillRect/>
           </a:stretch>
@@ -4568,6 +4552,7 @@
               <a:rPr lang="en-US" dirty="0"/>
               <a:t>API Gateway</a:t>
             </a:r>
+            <a:endParaRPr lang="en-US" dirty="0"/>
           </a:p>
         </p:txBody>
       </p:sp>
@@ -4588,7 +4573,6 @@
           <a:p>
             <a:fld id="{9B618960-8005-486C-9A75-10CB2AAC16F9}" type="slidenum">
               <a:rPr lang="en-US" smtClean="0"/>
-              <a:t>5</a:t>
             </a:fld>
             <a:endParaRPr lang="en-US"/>
           </a:p>
@@ -4596,20 +4580,14 @@
       </p:sp>
       <p:pic>
         <p:nvPicPr>
-          <p:cNvPr id="8" name="Picture 7">
-            <a:extLst>
-              <a:ext uri="{FF2B5EF4-FFF2-40B4-BE49-F238E27FC236}">
-                <a16:creationId xmlns:a16="http://schemas.microsoft.com/office/drawing/2014/main" id="{79668410-F0C4-3EDA-91E8-B0A53D126B9F}"/>
-              </a:ext>
-            </a:extLst>
-          </p:cNvPr>
+          <p:cNvPr id="8" name="Picture 7"/>
           <p:cNvPicPr>
             <a:picLocks noChangeAspect="1"/>
           </p:cNvPicPr>
           <p:nvPr/>
         </p:nvPicPr>
         <p:blipFill>
-          <a:blip r:embed="rId2"/>
+          <a:blip r:embed="rId1"/>
           <a:stretch>
             <a:fillRect/>
           </a:stretch>
@@ -4674,6 +4652,7 @@
               <a:rPr lang="en-US" dirty="0"/>
               <a:t>Chained or Chain of Responsibility</a:t>
             </a:r>
+            <a:endParaRPr lang="en-US" dirty="0"/>
           </a:p>
         </p:txBody>
       </p:sp>
@@ -4694,7 +4673,6 @@
           <a:p>
             <a:fld id="{9B618960-8005-486C-9A75-10CB2AAC16F9}" type="slidenum">
               <a:rPr lang="en-US" smtClean="0"/>
-              <a:t>6</a:t>
             </a:fld>
             <a:endParaRPr lang="en-US"/>
           </a:p>
@@ -4702,20 +4680,14 @@
       </p:sp>
       <p:pic>
         <p:nvPicPr>
-          <p:cNvPr id="11" name="Picture 10">
-            <a:extLst>
-              <a:ext uri="{FF2B5EF4-FFF2-40B4-BE49-F238E27FC236}">
-                <a16:creationId xmlns:a16="http://schemas.microsoft.com/office/drawing/2014/main" id="{C21AF8E2-6928-9DAF-1FBD-C72AEB06F8FD}"/>
-              </a:ext>
-            </a:extLst>
-          </p:cNvPr>
+          <p:cNvPr id="11" name="Picture 10"/>
           <p:cNvPicPr>
             <a:picLocks noChangeAspect="1"/>
           </p:cNvPicPr>
           <p:nvPr/>
         </p:nvPicPr>
         <p:blipFill>
-          <a:blip r:embed="rId2"/>
+          <a:blip r:embed="rId1"/>
           <a:stretch>
             <a:fillRect/>
           </a:stretch>
@@ -4780,6 +4752,7 @@
               <a:rPr lang="en-US" dirty="0"/>
               <a:t>Asynchronous Messaging</a:t>
             </a:r>
+            <a:endParaRPr lang="en-US" dirty="0"/>
           </a:p>
         </p:txBody>
       </p:sp>
@@ -4800,7 +4773,6 @@
           <a:p>
             <a:fld id="{9B618960-8005-486C-9A75-10CB2AAC16F9}" type="slidenum">
               <a:rPr lang="en-US" smtClean="0"/>
-              <a:t>7</a:t>
             </a:fld>
             <a:endParaRPr lang="en-US"/>
           </a:p>
@@ -4808,20 +4780,14 @@
       </p:sp>
       <p:pic>
         <p:nvPicPr>
-          <p:cNvPr id="8" name="Picture 7">
-            <a:extLst>
-              <a:ext uri="{FF2B5EF4-FFF2-40B4-BE49-F238E27FC236}">
-                <a16:creationId xmlns:a16="http://schemas.microsoft.com/office/drawing/2014/main" id="{C760F797-70F8-1A12-239B-642B4A65A657}"/>
-              </a:ext>
-            </a:extLst>
-          </p:cNvPr>
+          <p:cNvPr id="8" name="Picture 7"/>
           <p:cNvPicPr>
             <a:picLocks noChangeAspect="1"/>
           </p:cNvPicPr>
           <p:nvPr/>
         </p:nvPicPr>
         <p:blipFill>
-          <a:blip r:embed="rId2"/>
+          <a:blip r:embed="rId1"/>
           <a:stretch>
             <a:fillRect/>
           </a:stretch>
@@ -4838,20 +4804,14 @@
       </p:pic>
       <p:pic>
         <p:nvPicPr>
-          <p:cNvPr id="10" name="Picture 9">
-            <a:extLst>
-              <a:ext uri="{FF2B5EF4-FFF2-40B4-BE49-F238E27FC236}">
-                <a16:creationId xmlns:a16="http://schemas.microsoft.com/office/drawing/2014/main" id="{3C60BA92-8BBF-F771-E7EA-78FA7B2CA9BC}"/>
-              </a:ext>
-            </a:extLst>
-          </p:cNvPr>
+          <p:cNvPr id="10" name="Picture 9"/>
           <p:cNvPicPr>
             <a:picLocks noChangeAspect="1"/>
           </p:cNvPicPr>
           <p:nvPr/>
         </p:nvPicPr>
         <p:blipFill>
-          <a:blip r:embed="rId3"/>
+          <a:blip r:embed="rId2"/>
           <a:stretch>
             <a:fillRect/>
           </a:stretch>
@@ -4916,6 +4876,7 @@
               <a:rPr lang="en-US" dirty="0"/>
               <a:t>Database or Shared Data</a:t>
             </a:r>
+            <a:endParaRPr lang="en-US" dirty="0"/>
           </a:p>
         </p:txBody>
       </p:sp>
@@ -4936,7 +4897,6 @@
           <a:p>
             <a:fld id="{9B618960-8005-486C-9A75-10CB2AAC16F9}" type="slidenum">
               <a:rPr lang="en-US" smtClean="0"/>
-              <a:t>8</a:t>
             </a:fld>
             <a:endParaRPr lang="en-US"/>
           </a:p>
@@ -4944,20 +4904,14 @@
       </p:sp>
       <p:pic>
         <p:nvPicPr>
-          <p:cNvPr id="8" name="Picture 7">
-            <a:extLst>
-              <a:ext uri="{FF2B5EF4-FFF2-40B4-BE49-F238E27FC236}">
-                <a16:creationId xmlns:a16="http://schemas.microsoft.com/office/drawing/2014/main" id="{EBDFE2F5-ECA3-EB73-D473-C5DEF62BF396}"/>
-              </a:ext>
-            </a:extLst>
-          </p:cNvPr>
+          <p:cNvPr id="8" name="Picture 7"/>
           <p:cNvPicPr>
             <a:picLocks noChangeAspect="1"/>
           </p:cNvPicPr>
           <p:nvPr/>
         </p:nvPicPr>
         <p:blipFill>
-          <a:blip r:embed="rId2"/>
+          <a:blip r:embed="rId1"/>
           <a:stretch>
             <a:fillRect/>
           </a:stretch>
@@ -5022,6 +4976,7 @@
               <a:rPr lang="en-US" dirty="0"/>
               <a:t> Event Sourcing</a:t>
             </a:r>
+            <a:endParaRPr lang="en-US" dirty="0"/>
           </a:p>
         </p:txBody>
       </p:sp>
@@ -5042,7 +4997,6 @@
           <a:p>
             <a:fld id="{9B618960-8005-486C-9A75-10CB2AAC16F9}" type="slidenum">
               <a:rPr lang="en-US" smtClean="0"/>
-              <a:t>9</a:t>
             </a:fld>
             <a:endParaRPr lang="en-US"/>
           </a:p>
@@ -5050,20 +5004,14 @@
       </p:sp>
       <p:pic>
         <p:nvPicPr>
-          <p:cNvPr id="8" name="Picture 7">
-            <a:extLst>
-              <a:ext uri="{FF2B5EF4-FFF2-40B4-BE49-F238E27FC236}">
-                <a16:creationId xmlns:a16="http://schemas.microsoft.com/office/drawing/2014/main" id="{6AA82283-47A0-3C5D-B235-37DC07550CFB}"/>
-              </a:ext>
-            </a:extLst>
-          </p:cNvPr>
+          <p:cNvPr id="8" name="Picture 7"/>
           <p:cNvPicPr>
             <a:picLocks noChangeAspect="1"/>
           </p:cNvPicPr>
           <p:nvPr/>
         </p:nvPicPr>
         <p:blipFill>
-          <a:blip r:embed="rId2"/>
+          <a:blip r:embed="rId1"/>
           <a:stretch>
             <a:fillRect/>
           </a:stretch>
@@ -5337,8 +5285,6 @@
       </a:bgFillStyleLst>
     </a:fmtScheme>
   </a:themeElements>
-  <a:objectDefaults/>
-  <a:extraClrSchemeLst/>
   <a:extLst>
     <a:ext uri="{05A4C25C-085E-4340-85A3-A5531E510DB2}">
       <thm15:themeFamily xmlns:thm15="http://schemas.microsoft.com/office/thememl/2012/main" name="Office Theme" id="{62F939B6-93AF-4DB8-9C6B-D6C7DFDC589F}" vid="{4A3C46E8-61CC-4603-A589-7422A47A8E4A}"/>
@@ -5598,8 +5544,6 @@
       </a:bgFillStyleLst>
     </a:fmtScheme>
   </a:themeElements>
-  <a:objectDefaults/>
-  <a:extraClrSchemeLst/>
   <a:extLst>
     <a:ext uri="{05A4C25C-085E-4340-85A3-A5531E510DB2}">
       <thm15:themeFamily xmlns:thm15="http://schemas.microsoft.com/office/thememl/2012/main" name="Office Theme" id="{62F939B6-93AF-4DB8-9C6B-D6C7DFDC589F}" vid="{4A3C46E8-61CC-4603-A589-7422A47A8E4A}"/>
